--- a/Poster.pptx
+++ b/Poster.pptx
@@ -115,7 +115,7 @@
   </p:defaultTextStyle>
   <p:extLst>
     <p:ext uri="{EFAFB233-063F-42B5-8137-9DF3F51BA10A}">
-      <p15:sldGuideLst xmlns:p15="http://schemas.microsoft.com/office/powerpoint/2012/main" xmlns="">
+      <p15:sldGuideLst xmlns:p15="http://schemas.microsoft.com/office/powerpoint/2012/main">
         <p15:guide id="1" orient="horz" pos="1659" userDrawn="1">
           <p15:clr>
             <a:srgbClr val="A4A3A4"/>
@@ -149,7 +149,7 @@
       </p15:sldGuideLst>
     </p:ext>
     <p:ext uri="{2D200454-40CA-4A62-9FC3-DE9A4176ACB9}">
-      <p15:notesGuideLst xmlns:p15="http://schemas.microsoft.com/office/powerpoint/2012/main" xmlns=""/>
+      <p15:notesGuideLst xmlns:p15="http://schemas.microsoft.com/office/powerpoint/2012/main"/>
     </p:ext>
   </p:extLst>
 </p:presentation>
@@ -4762,7 +4762,7 @@
           <p:cNvPr id="17" name="Group 16">
             <a:extLst>
               <a:ext uri="{FF2B5EF4-FFF2-40B4-BE49-F238E27FC236}">
-                <a16:creationId xmlns:a16="http://schemas.microsoft.com/office/drawing/2014/main" xmlns="" id="{FD951A23-7FFD-204C-869A-7469BE75700C}"/>
+                <a16:creationId xmlns="" xmlns:a16="http://schemas.microsoft.com/office/drawing/2014/main" id="{FD951A23-7FFD-204C-869A-7469BE75700C}"/>
               </a:ext>
             </a:extLst>
           </p:cNvPr>
@@ -4782,7 +4782,7 @@
             <p:cNvPr id="18" name="Text Box 14">
               <a:extLst>
                 <a:ext uri="{FF2B5EF4-FFF2-40B4-BE49-F238E27FC236}">
-                  <a16:creationId xmlns:a16="http://schemas.microsoft.com/office/drawing/2014/main" xmlns="" id="{5CADBED4-23B3-AF42-BFCE-723FDBBF101F}"/>
+                  <a16:creationId xmlns="" xmlns:a16="http://schemas.microsoft.com/office/drawing/2014/main" id="{5CADBED4-23B3-AF42-BFCE-723FDBBF101F}"/>
                 </a:ext>
               </a:extLst>
             </p:cNvPr>
@@ -4864,7 +4864,7 @@
             <p:cNvPr id="19" name="Freeform 18">
               <a:extLst>
                 <a:ext uri="{FF2B5EF4-FFF2-40B4-BE49-F238E27FC236}">
-                  <a16:creationId xmlns:a16="http://schemas.microsoft.com/office/drawing/2014/main" xmlns="" id="{91BD7D7F-62B0-8943-A75B-964AE3FA2ACD}"/>
+                  <a16:creationId xmlns="" xmlns:a16="http://schemas.microsoft.com/office/drawing/2014/main" id="{91BD7D7F-62B0-8943-A75B-964AE3FA2ACD}"/>
                 </a:ext>
               </a:extLst>
             </p:cNvPr>
@@ -4973,7 +4973,7 @@
             <p:cNvPr id="20" name="Freeform 19">
               <a:extLst>
                 <a:ext uri="{FF2B5EF4-FFF2-40B4-BE49-F238E27FC236}">
-                  <a16:creationId xmlns:a16="http://schemas.microsoft.com/office/drawing/2014/main" xmlns="" id="{F5781D29-8D26-CC47-8DC4-40A80CE43282}"/>
+                  <a16:creationId xmlns="" xmlns:a16="http://schemas.microsoft.com/office/drawing/2014/main" id="{F5781D29-8D26-CC47-8DC4-40A80CE43282}"/>
                 </a:ext>
               </a:extLst>
             </p:cNvPr>
@@ -5079,7 +5079,7 @@
             <p:cNvPr id="21" name="Freeform 20">
               <a:extLst>
                 <a:ext uri="{FF2B5EF4-FFF2-40B4-BE49-F238E27FC236}">
-                  <a16:creationId xmlns:a16="http://schemas.microsoft.com/office/drawing/2014/main" xmlns="" id="{7682AA11-F0B4-4A45-BA47-EA99831A6CA8}"/>
+                  <a16:creationId xmlns="" xmlns:a16="http://schemas.microsoft.com/office/drawing/2014/main" id="{7682AA11-F0B4-4A45-BA47-EA99831A6CA8}"/>
                 </a:ext>
               </a:extLst>
             </p:cNvPr>
@@ -5196,7 +5196,7 @@
             <p:cNvPr id="22" name="Text Box 14">
               <a:extLst>
                 <a:ext uri="{FF2B5EF4-FFF2-40B4-BE49-F238E27FC236}">
-                  <a16:creationId xmlns:a16="http://schemas.microsoft.com/office/drawing/2014/main" xmlns="" id="{48717DCE-020D-0045-A9DC-584FF4C3946E}"/>
+                  <a16:creationId xmlns="" xmlns:a16="http://schemas.microsoft.com/office/drawing/2014/main" id="{48717DCE-020D-0045-A9DC-584FF4C3946E}"/>
                 </a:ext>
               </a:extLst>
             </p:cNvPr>
@@ -5279,7 +5279,7 @@
           <p:cNvPr id="10" name="Table 9">
             <a:extLst>
               <a:ext uri="{FF2B5EF4-FFF2-40B4-BE49-F238E27FC236}">
-                <a16:creationId xmlns:a16="http://schemas.microsoft.com/office/drawing/2014/main" xmlns="" id="{50E72AA0-F147-7040-A57D-4E62E8BBD767}"/>
+                <a16:creationId xmlns="" xmlns:a16="http://schemas.microsoft.com/office/drawing/2014/main" id="{50E72AA0-F147-7040-A57D-4E62E8BBD767}"/>
               </a:ext>
             </a:extLst>
           </p:cNvPr>
@@ -5308,14 +5308,14 @@
                 <a:gridCol w="2410585">
                   <a:extLst>
                     <a:ext uri="{9D8B030D-6E8A-4147-A177-3AD203B41FA5}">
-                      <a16:colId xmlns:a16="http://schemas.microsoft.com/office/drawing/2014/main" xmlns="" val="20000"/>
+                      <a16:colId xmlns="" xmlns:a16="http://schemas.microsoft.com/office/drawing/2014/main" val="20000"/>
                     </a:ext>
                   </a:extLst>
                 </a:gridCol>
                 <a:gridCol w="3211218">
                   <a:extLst>
                     <a:ext uri="{9D8B030D-6E8A-4147-A177-3AD203B41FA5}">
-                      <a16:colId xmlns:a16="http://schemas.microsoft.com/office/drawing/2014/main" xmlns="" val="20001"/>
+                      <a16:colId xmlns="" xmlns:a16="http://schemas.microsoft.com/office/drawing/2014/main" val="20001"/>
                     </a:ext>
                   </a:extLst>
                 </a:gridCol>
@@ -5395,7 +5395,7 @@
                 </a:tc>
                 <a:extLst>
                   <a:ext uri="{0D108BD9-81ED-4DB2-BD59-A6C34878D82A}">
-                    <a16:rowId xmlns:a16="http://schemas.microsoft.com/office/drawing/2014/main" xmlns="" val="10000"/>
+                    <a16:rowId xmlns="" xmlns:a16="http://schemas.microsoft.com/office/drawing/2014/main" val="10000"/>
                   </a:ext>
                 </a:extLst>
               </a:tr>
@@ -5613,7 +5613,7 @@
                 </a:tc>
                 <a:extLst>
                   <a:ext uri="{0D108BD9-81ED-4DB2-BD59-A6C34878D82A}">
-                    <a16:rowId xmlns:a16="http://schemas.microsoft.com/office/drawing/2014/main" xmlns="" val="677555919"/>
+                    <a16:rowId xmlns="" xmlns:a16="http://schemas.microsoft.com/office/drawing/2014/main" val="677555919"/>
                   </a:ext>
                 </a:extLst>
               </a:tr>
@@ -5917,7 +5917,7 @@
                 </a:tc>
                 <a:extLst>
                   <a:ext uri="{0D108BD9-81ED-4DB2-BD59-A6C34878D82A}">
-                    <a16:rowId xmlns:a16="http://schemas.microsoft.com/office/drawing/2014/main" xmlns="" val="10008"/>
+                    <a16:rowId xmlns="" xmlns:a16="http://schemas.microsoft.com/office/drawing/2014/main" val="10008"/>
                   </a:ext>
                 </a:extLst>
               </a:tr>
@@ -6077,7 +6077,7 @@
                 </a:tc>
                 <a:extLst>
                   <a:ext uri="{0D108BD9-81ED-4DB2-BD59-A6C34878D82A}">
-                    <a16:rowId xmlns:a16="http://schemas.microsoft.com/office/drawing/2014/main" xmlns="" val="10001"/>
+                    <a16:rowId xmlns="" xmlns:a16="http://schemas.microsoft.com/office/drawing/2014/main" val="10001"/>
                   </a:ext>
                 </a:extLst>
               </a:tr>
@@ -6176,7 +6176,7 @@
                 </a:tc>
                 <a:extLst>
                   <a:ext uri="{0D108BD9-81ED-4DB2-BD59-A6C34878D82A}">
-                    <a16:rowId xmlns:a16="http://schemas.microsoft.com/office/drawing/2014/main" xmlns="" val="10002"/>
+                    <a16:rowId xmlns="" xmlns:a16="http://schemas.microsoft.com/office/drawing/2014/main" val="10002"/>
                   </a:ext>
                 </a:extLst>
               </a:tr>
@@ -6404,7 +6404,7 @@
                 </a:tc>
                 <a:extLst>
                   <a:ext uri="{0D108BD9-81ED-4DB2-BD59-A6C34878D82A}">
-                    <a16:rowId xmlns:a16="http://schemas.microsoft.com/office/drawing/2014/main" xmlns="" val="10003"/>
+                    <a16:rowId xmlns="" xmlns:a16="http://schemas.microsoft.com/office/drawing/2014/main" val="10003"/>
                   </a:ext>
                 </a:extLst>
               </a:tr>
@@ -6489,7 +6489,7 @@
                 </a:tc>
                 <a:extLst>
                   <a:ext uri="{0D108BD9-81ED-4DB2-BD59-A6C34878D82A}">
-                    <a16:rowId xmlns:a16="http://schemas.microsoft.com/office/drawing/2014/main" xmlns="" val="10004"/>
+                    <a16:rowId xmlns="" xmlns:a16="http://schemas.microsoft.com/office/drawing/2014/main" val="10004"/>
                   </a:ext>
                 </a:extLst>
               </a:tr>
@@ -6602,7 +6602,7 @@
                 </a:tc>
                 <a:extLst>
                   <a:ext uri="{0D108BD9-81ED-4DB2-BD59-A6C34878D82A}">
-                    <a16:rowId xmlns:a16="http://schemas.microsoft.com/office/drawing/2014/main" xmlns="" val="10005"/>
+                    <a16:rowId xmlns="" xmlns:a16="http://schemas.microsoft.com/office/drawing/2014/main" val="10005"/>
                   </a:ext>
                 </a:extLst>
               </a:tr>
@@ -6646,7 +6646,7 @@
                 </a:tc>
                 <a:extLst>
                   <a:ext uri="{0D108BD9-81ED-4DB2-BD59-A6C34878D82A}">
-                    <a16:rowId xmlns:a16="http://schemas.microsoft.com/office/drawing/2014/main" xmlns="" val="10006"/>
+                    <a16:rowId xmlns="" xmlns:a16="http://schemas.microsoft.com/office/drawing/2014/main" val="10006"/>
                   </a:ext>
                 </a:extLst>
               </a:tr>
@@ -6743,7 +6743,7 @@
                 </a:tc>
                 <a:extLst>
                   <a:ext uri="{0D108BD9-81ED-4DB2-BD59-A6C34878D82A}">
-                    <a16:rowId xmlns:a16="http://schemas.microsoft.com/office/drawing/2014/main" xmlns="" val="10007"/>
+                    <a16:rowId xmlns="" xmlns:a16="http://schemas.microsoft.com/office/drawing/2014/main" val="10007"/>
                   </a:ext>
                 </a:extLst>
               </a:tr>
@@ -6800,7 +6800,7 @@
                 </a:tc>
                 <a:extLst>
                   <a:ext uri="{0D108BD9-81ED-4DB2-BD59-A6C34878D82A}">
-                    <a16:rowId xmlns:a16="http://schemas.microsoft.com/office/drawing/2014/main" xmlns="" val="10010"/>
+                    <a16:rowId xmlns="" xmlns:a16="http://schemas.microsoft.com/office/drawing/2014/main" val="10010"/>
                   </a:ext>
                 </a:extLst>
               </a:tr>
@@ -6813,7 +6813,7 @@
           <p:cNvPr id="12" name="Table 11">
             <a:extLst>
               <a:ext uri="{FF2B5EF4-FFF2-40B4-BE49-F238E27FC236}">
-                <a16:creationId xmlns:a16="http://schemas.microsoft.com/office/drawing/2014/main" xmlns="" id="{A5873058-EF11-4846-BD70-E06FB3E7BC2A}"/>
+                <a16:creationId xmlns="" xmlns:a16="http://schemas.microsoft.com/office/drawing/2014/main" id="{A5873058-EF11-4846-BD70-E06FB3E7BC2A}"/>
               </a:ext>
             </a:extLst>
           </p:cNvPr>
@@ -6842,21 +6842,21 @@
                 <a:gridCol w="2095685">
                   <a:extLst>
                     <a:ext uri="{9D8B030D-6E8A-4147-A177-3AD203B41FA5}">
-                      <a16:colId xmlns:a16="http://schemas.microsoft.com/office/drawing/2014/main" xmlns="" val="20000"/>
+                      <a16:colId xmlns="" xmlns:a16="http://schemas.microsoft.com/office/drawing/2014/main" val="20000"/>
                     </a:ext>
                   </a:extLst>
                 </a:gridCol>
                 <a:gridCol w="681713">
                   <a:extLst>
                     <a:ext uri="{9D8B030D-6E8A-4147-A177-3AD203B41FA5}">
-                      <a16:colId xmlns:a16="http://schemas.microsoft.com/office/drawing/2014/main" xmlns="" val="997673227"/>
+                      <a16:colId xmlns="" xmlns:a16="http://schemas.microsoft.com/office/drawing/2014/main" val="997673227"/>
                     </a:ext>
                   </a:extLst>
                 </a:gridCol>
                 <a:gridCol w="2844405">
                   <a:extLst>
                     <a:ext uri="{9D8B030D-6E8A-4147-A177-3AD203B41FA5}">
-                      <a16:colId xmlns:a16="http://schemas.microsoft.com/office/drawing/2014/main" xmlns="" val="3407509820"/>
+                      <a16:colId xmlns="" xmlns:a16="http://schemas.microsoft.com/office/drawing/2014/main" val="3407509820"/>
                     </a:ext>
                   </a:extLst>
                 </a:gridCol>
@@ -6972,7 +6972,7 @@
                 </a:tc>
                 <a:extLst>
                   <a:ext uri="{0D108BD9-81ED-4DB2-BD59-A6C34878D82A}">
-                    <a16:rowId xmlns:a16="http://schemas.microsoft.com/office/drawing/2014/main" xmlns="" val="10000"/>
+                    <a16:rowId xmlns="" xmlns:a16="http://schemas.microsoft.com/office/drawing/2014/main" val="10000"/>
                   </a:ext>
                 </a:extLst>
               </a:tr>
@@ -7014,7 +7014,7 @@
                           <a:hlinkClick r:id="rId7">
                             <a:extLst>
                               <a:ext uri="{A12FA001-AC4F-418D-AE19-62706E023703}">
-                                <ahyp:hlinkClr xmlns:ahyp="http://schemas.microsoft.com/office/drawing/2018/hyperlinkcolor" xmlns="" val="tx"/>
+                                <ahyp:hlinkClr xmlns="" xmlns:ahyp="http://schemas.microsoft.com/office/drawing/2018/hyperlinkcolor" val="tx"/>
                               </a:ext>
                             </a:extLst>
                           </a:hlinkClick>
@@ -7124,7 +7124,7 @@
                 </a:tc>
                 <a:extLst>
                   <a:ext uri="{0D108BD9-81ED-4DB2-BD59-A6C34878D82A}">
-                    <a16:rowId xmlns:a16="http://schemas.microsoft.com/office/drawing/2014/main" xmlns="" val="10001"/>
+                    <a16:rowId xmlns="" xmlns:a16="http://schemas.microsoft.com/office/drawing/2014/main" val="10001"/>
                   </a:ext>
                 </a:extLst>
               </a:tr>
@@ -7296,7 +7296,7 @@
                 </a:tc>
                 <a:extLst>
                   <a:ext uri="{0D108BD9-81ED-4DB2-BD59-A6C34878D82A}">
-                    <a16:rowId xmlns:a16="http://schemas.microsoft.com/office/drawing/2014/main" xmlns="" val="10004"/>
+                    <a16:rowId xmlns="" xmlns:a16="http://schemas.microsoft.com/office/drawing/2014/main" val="10004"/>
                   </a:ext>
                 </a:extLst>
               </a:tr>
@@ -7856,7 +7856,7 @@
                 </a:tc>
                 <a:extLst>
                   <a:ext uri="{0D108BD9-81ED-4DB2-BD59-A6C34878D82A}">
-                    <a16:rowId xmlns:a16="http://schemas.microsoft.com/office/drawing/2014/main" xmlns="" val="10005"/>
+                    <a16:rowId xmlns="" xmlns:a16="http://schemas.microsoft.com/office/drawing/2014/main" val="10005"/>
                   </a:ext>
                 </a:extLst>
               </a:tr>
@@ -8052,7 +8052,7 @@
                 </a:tc>
                 <a:extLst>
                   <a:ext uri="{0D108BD9-81ED-4DB2-BD59-A6C34878D82A}">
-                    <a16:rowId xmlns:a16="http://schemas.microsoft.com/office/drawing/2014/main" xmlns="" val="1766341567"/>
+                    <a16:rowId xmlns="" xmlns:a16="http://schemas.microsoft.com/office/drawing/2014/main" val="1766341567"/>
                   </a:ext>
                 </a:extLst>
               </a:tr>
@@ -8225,7 +8225,7 @@
                 </a:tc>
                 <a:extLst>
                   <a:ext uri="{0D108BD9-81ED-4DB2-BD59-A6C34878D82A}">
-                    <a16:rowId xmlns:a16="http://schemas.microsoft.com/office/drawing/2014/main" xmlns="" val="10006"/>
+                    <a16:rowId xmlns="" xmlns:a16="http://schemas.microsoft.com/office/drawing/2014/main" val="10006"/>
                   </a:ext>
                 </a:extLst>
               </a:tr>
@@ -8374,7 +8374,7 @@
                 </a:tc>
                 <a:extLst>
                   <a:ext uri="{0D108BD9-81ED-4DB2-BD59-A6C34878D82A}">
-                    <a16:rowId xmlns:a16="http://schemas.microsoft.com/office/drawing/2014/main" xmlns="" val="10007"/>
+                    <a16:rowId xmlns="" xmlns:a16="http://schemas.microsoft.com/office/drawing/2014/main" val="10007"/>
                   </a:ext>
                 </a:extLst>
               </a:tr>
@@ -8750,7 +8750,7 @@
                           <a:hlinkClick r:id="rId11">
                             <a:extLst>
                               <a:ext uri="{A12FA001-AC4F-418D-AE19-62706E023703}">
-                                <ahyp:hlinkClr xmlns:ahyp="http://schemas.microsoft.com/office/drawing/2018/hyperlinkcolor" xmlns="" val="tx"/>
+                                <ahyp:hlinkClr xmlns="" xmlns:ahyp="http://schemas.microsoft.com/office/drawing/2018/hyperlinkcolor" val="tx"/>
                               </a:ext>
                             </a:extLst>
                           </a:hlinkClick>
@@ -8767,7 +8767,7 @@
                           <a:hlinkClick r:id="rId11">
                             <a:extLst>
                               <a:ext uri="{A12FA001-AC4F-418D-AE19-62706E023703}">
-                                <ahyp:hlinkClr xmlns:ahyp="http://schemas.microsoft.com/office/drawing/2018/hyperlinkcolor" xmlns="" val="tx"/>
+                                <ahyp:hlinkClr xmlns="" xmlns:ahyp="http://schemas.microsoft.com/office/drawing/2018/hyperlinkcolor" val="tx"/>
                               </a:ext>
                             </a:extLst>
                           </a:hlinkClick>
@@ -8866,7 +8866,7 @@
                 </a:tc>
                 <a:extLst>
                   <a:ext uri="{0D108BD9-81ED-4DB2-BD59-A6C34878D82A}">
-                    <a16:rowId xmlns:a16="http://schemas.microsoft.com/office/drawing/2014/main" xmlns="" val="2448051497"/>
+                    <a16:rowId xmlns="" xmlns:a16="http://schemas.microsoft.com/office/drawing/2014/main" val="2448051497"/>
                   </a:ext>
                 </a:extLst>
               </a:tr>
@@ -8939,7 +8939,7 @@
                 </a:tc>
                 <a:extLst>
                   <a:ext uri="{0D108BD9-81ED-4DB2-BD59-A6C34878D82A}">
-                    <a16:rowId xmlns:a16="http://schemas.microsoft.com/office/drawing/2014/main" xmlns="" val="10008"/>
+                    <a16:rowId xmlns="" xmlns:a16="http://schemas.microsoft.com/office/drawing/2014/main" val="10008"/>
                   </a:ext>
                 </a:extLst>
               </a:tr>
@@ -9232,7 +9232,7 @@
                 </a:tc>
                 <a:extLst>
                   <a:ext uri="{0D108BD9-81ED-4DB2-BD59-A6C34878D82A}">
-                    <a16:rowId xmlns:a16="http://schemas.microsoft.com/office/drawing/2014/main" xmlns="" val="10009"/>
+                    <a16:rowId xmlns="" xmlns:a16="http://schemas.microsoft.com/office/drawing/2014/main" val="10009"/>
                   </a:ext>
                 </a:extLst>
               </a:tr>
@@ -9529,7 +9529,7 @@
           <p:cNvPr id="2" name="Group 1">
             <a:extLst>
               <a:ext uri="{FF2B5EF4-FFF2-40B4-BE49-F238E27FC236}">
-                <a16:creationId xmlns:a16="http://schemas.microsoft.com/office/drawing/2014/main" xmlns="" id="{F13C9E09-17E0-7E46-9EC7-99AF8216A004}"/>
+                <a16:creationId xmlns="" xmlns:a16="http://schemas.microsoft.com/office/drawing/2014/main" id="{F13C9E09-17E0-7E46-9EC7-99AF8216A004}"/>
               </a:ext>
             </a:extLst>
           </p:cNvPr>
@@ -10305,7 +10305,7 @@
           <p:cNvPr id="9" name="Group 8">
             <a:extLst>
               <a:ext uri="{FF2B5EF4-FFF2-40B4-BE49-F238E27FC236}">
-                <a16:creationId xmlns:a16="http://schemas.microsoft.com/office/drawing/2014/main" xmlns="" id="{B88D2DC4-BB04-E448-8C7E-D83ECE59E0A9}"/>
+                <a16:creationId xmlns="" xmlns:a16="http://schemas.microsoft.com/office/drawing/2014/main" id="{B88D2DC4-BB04-E448-8C7E-D83ECE59E0A9}"/>
               </a:ext>
             </a:extLst>
           </p:cNvPr>
@@ -10325,7 +10325,7 @@
             <p:cNvPr id="10" name="Text Box 14">
               <a:extLst>
                 <a:ext uri="{FF2B5EF4-FFF2-40B4-BE49-F238E27FC236}">
-                  <a16:creationId xmlns:a16="http://schemas.microsoft.com/office/drawing/2014/main" xmlns="" id="{9057DDE1-2C35-A94D-AE0E-143FC424CC09}"/>
+                  <a16:creationId xmlns="" xmlns:a16="http://schemas.microsoft.com/office/drawing/2014/main" id="{9057DDE1-2C35-A94D-AE0E-143FC424CC09}"/>
                 </a:ext>
               </a:extLst>
             </p:cNvPr>
@@ -10407,7 +10407,7 @@
             <p:cNvPr id="11" name="Freeform 10">
               <a:extLst>
                 <a:ext uri="{FF2B5EF4-FFF2-40B4-BE49-F238E27FC236}">
-                  <a16:creationId xmlns:a16="http://schemas.microsoft.com/office/drawing/2014/main" xmlns="" id="{420842D6-2FEB-3848-A8D0-21FB47BA78A6}"/>
+                  <a16:creationId xmlns="" xmlns:a16="http://schemas.microsoft.com/office/drawing/2014/main" id="{420842D6-2FEB-3848-A8D0-21FB47BA78A6}"/>
                 </a:ext>
               </a:extLst>
             </p:cNvPr>
@@ -10516,7 +10516,7 @@
             <p:cNvPr id="12" name="Freeform 11">
               <a:extLst>
                 <a:ext uri="{FF2B5EF4-FFF2-40B4-BE49-F238E27FC236}">
-                  <a16:creationId xmlns:a16="http://schemas.microsoft.com/office/drawing/2014/main" xmlns="" id="{E6969F7F-7C4B-DF42-92F1-67600F44C4A2}"/>
+                  <a16:creationId xmlns="" xmlns:a16="http://schemas.microsoft.com/office/drawing/2014/main" id="{E6969F7F-7C4B-DF42-92F1-67600F44C4A2}"/>
                 </a:ext>
               </a:extLst>
             </p:cNvPr>
@@ -10622,7 +10622,7 @@
             <p:cNvPr id="13" name="Freeform 12">
               <a:extLst>
                 <a:ext uri="{FF2B5EF4-FFF2-40B4-BE49-F238E27FC236}">
-                  <a16:creationId xmlns:a16="http://schemas.microsoft.com/office/drawing/2014/main" xmlns="" id="{77827C27-C81F-4244-A3D1-3216516AC38C}"/>
+                  <a16:creationId xmlns="" xmlns:a16="http://schemas.microsoft.com/office/drawing/2014/main" id="{77827C27-C81F-4244-A3D1-3216516AC38C}"/>
                 </a:ext>
               </a:extLst>
             </p:cNvPr>
@@ -10739,7 +10739,7 @@
             <p:cNvPr id="14" name="Text Box 14">
               <a:extLst>
                 <a:ext uri="{FF2B5EF4-FFF2-40B4-BE49-F238E27FC236}">
-                  <a16:creationId xmlns:a16="http://schemas.microsoft.com/office/drawing/2014/main" xmlns="" id="{B3A834B2-5A03-C44F-82B1-67800C5FEE43}"/>
+                  <a16:creationId xmlns="" xmlns:a16="http://schemas.microsoft.com/office/drawing/2014/main" id="{B3A834B2-5A03-C44F-82B1-67800C5FEE43}"/>
                 </a:ext>
               </a:extLst>
             </p:cNvPr>
@@ -10822,7 +10822,7 @@
           <p:cNvPr id="16" name="Table 15">
             <a:extLst>
               <a:ext uri="{FF2B5EF4-FFF2-40B4-BE49-F238E27FC236}">
-                <a16:creationId xmlns:a16="http://schemas.microsoft.com/office/drawing/2014/main" xmlns="" id="{122E5797-8370-9542-8F10-E667129197F7}"/>
+                <a16:creationId xmlns="" xmlns:a16="http://schemas.microsoft.com/office/drawing/2014/main" id="{122E5797-8370-9542-8F10-E667129197F7}"/>
               </a:ext>
             </a:extLst>
           </p:cNvPr>
@@ -10851,14 +10851,14 @@
                 <a:gridCol w="2410585">
                   <a:extLst>
                     <a:ext uri="{9D8B030D-6E8A-4147-A177-3AD203B41FA5}">
-                      <a16:colId xmlns:a16="http://schemas.microsoft.com/office/drawing/2014/main" xmlns="" val="20000"/>
+                      <a16:colId xmlns="" xmlns:a16="http://schemas.microsoft.com/office/drawing/2014/main" val="20000"/>
                     </a:ext>
                   </a:extLst>
                 </a:gridCol>
                 <a:gridCol w="3211218">
                   <a:extLst>
                     <a:ext uri="{9D8B030D-6E8A-4147-A177-3AD203B41FA5}">
-                      <a16:colId xmlns:a16="http://schemas.microsoft.com/office/drawing/2014/main" xmlns="" val="20001"/>
+                      <a16:colId xmlns="" xmlns:a16="http://schemas.microsoft.com/office/drawing/2014/main" val="20001"/>
                     </a:ext>
                   </a:extLst>
                 </a:gridCol>
@@ -10938,7 +10938,7 @@
                 </a:tc>
                 <a:extLst>
                   <a:ext uri="{0D108BD9-81ED-4DB2-BD59-A6C34878D82A}">
-                    <a16:rowId xmlns:a16="http://schemas.microsoft.com/office/drawing/2014/main" xmlns="" val="10000"/>
+                    <a16:rowId xmlns="" xmlns:a16="http://schemas.microsoft.com/office/drawing/2014/main" val="10000"/>
                   </a:ext>
                 </a:extLst>
               </a:tr>
@@ -11156,7 +11156,7 @@
                 </a:tc>
                 <a:extLst>
                   <a:ext uri="{0D108BD9-81ED-4DB2-BD59-A6C34878D82A}">
-                    <a16:rowId xmlns:a16="http://schemas.microsoft.com/office/drawing/2014/main" xmlns="" val="677555919"/>
+                    <a16:rowId xmlns="" xmlns:a16="http://schemas.microsoft.com/office/drawing/2014/main" val="677555919"/>
                   </a:ext>
                 </a:extLst>
               </a:tr>
@@ -11460,7 +11460,7 @@
                 </a:tc>
                 <a:extLst>
                   <a:ext uri="{0D108BD9-81ED-4DB2-BD59-A6C34878D82A}">
-                    <a16:rowId xmlns:a16="http://schemas.microsoft.com/office/drawing/2014/main" xmlns="" val="10008"/>
+                    <a16:rowId xmlns="" xmlns:a16="http://schemas.microsoft.com/office/drawing/2014/main" val="10008"/>
                   </a:ext>
                 </a:extLst>
               </a:tr>
@@ -11620,7 +11620,7 @@
                 </a:tc>
                 <a:extLst>
                   <a:ext uri="{0D108BD9-81ED-4DB2-BD59-A6C34878D82A}">
-                    <a16:rowId xmlns:a16="http://schemas.microsoft.com/office/drawing/2014/main" xmlns="" val="10001"/>
+                    <a16:rowId xmlns="" xmlns:a16="http://schemas.microsoft.com/office/drawing/2014/main" val="10001"/>
                   </a:ext>
                 </a:extLst>
               </a:tr>
@@ -11719,7 +11719,7 @@
                 </a:tc>
                 <a:extLst>
                   <a:ext uri="{0D108BD9-81ED-4DB2-BD59-A6C34878D82A}">
-                    <a16:rowId xmlns:a16="http://schemas.microsoft.com/office/drawing/2014/main" xmlns="" val="10002"/>
+                    <a16:rowId xmlns="" xmlns:a16="http://schemas.microsoft.com/office/drawing/2014/main" val="10002"/>
                   </a:ext>
                 </a:extLst>
               </a:tr>
@@ -11947,7 +11947,7 @@
                 </a:tc>
                 <a:extLst>
                   <a:ext uri="{0D108BD9-81ED-4DB2-BD59-A6C34878D82A}">
-                    <a16:rowId xmlns:a16="http://schemas.microsoft.com/office/drawing/2014/main" xmlns="" val="10003"/>
+                    <a16:rowId xmlns="" xmlns:a16="http://schemas.microsoft.com/office/drawing/2014/main" val="10003"/>
                   </a:ext>
                 </a:extLst>
               </a:tr>
@@ -12032,7 +12032,7 @@
                 </a:tc>
                 <a:extLst>
                   <a:ext uri="{0D108BD9-81ED-4DB2-BD59-A6C34878D82A}">
-                    <a16:rowId xmlns:a16="http://schemas.microsoft.com/office/drawing/2014/main" xmlns="" val="10004"/>
+                    <a16:rowId xmlns="" xmlns:a16="http://schemas.microsoft.com/office/drawing/2014/main" val="10004"/>
                   </a:ext>
                 </a:extLst>
               </a:tr>
@@ -12145,7 +12145,7 @@
                 </a:tc>
                 <a:extLst>
                   <a:ext uri="{0D108BD9-81ED-4DB2-BD59-A6C34878D82A}">
-                    <a16:rowId xmlns:a16="http://schemas.microsoft.com/office/drawing/2014/main" xmlns="" val="10005"/>
+                    <a16:rowId xmlns="" xmlns:a16="http://schemas.microsoft.com/office/drawing/2014/main" val="10005"/>
                   </a:ext>
                 </a:extLst>
               </a:tr>
@@ -12189,7 +12189,7 @@
                 </a:tc>
                 <a:extLst>
                   <a:ext uri="{0D108BD9-81ED-4DB2-BD59-A6C34878D82A}">
-                    <a16:rowId xmlns:a16="http://schemas.microsoft.com/office/drawing/2014/main" xmlns="" val="10006"/>
+                    <a16:rowId xmlns="" xmlns:a16="http://schemas.microsoft.com/office/drawing/2014/main" val="10006"/>
                   </a:ext>
                 </a:extLst>
               </a:tr>
@@ -12286,7 +12286,7 @@
                 </a:tc>
                 <a:extLst>
                   <a:ext uri="{0D108BD9-81ED-4DB2-BD59-A6C34878D82A}">
-                    <a16:rowId xmlns:a16="http://schemas.microsoft.com/office/drawing/2014/main" xmlns="" val="10007"/>
+                    <a16:rowId xmlns="" xmlns:a16="http://schemas.microsoft.com/office/drawing/2014/main" val="10007"/>
                   </a:ext>
                 </a:extLst>
               </a:tr>
@@ -12343,7 +12343,7 @@
                 </a:tc>
                 <a:extLst>
                   <a:ext uri="{0D108BD9-81ED-4DB2-BD59-A6C34878D82A}">
-                    <a16:rowId xmlns:a16="http://schemas.microsoft.com/office/drawing/2014/main" xmlns="" val="10010"/>
+                    <a16:rowId xmlns="" xmlns:a16="http://schemas.microsoft.com/office/drawing/2014/main" val="10010"/>
                   </a:ext>
                 </a:extLst>
               </a:tr>
@@ -12356,7 +12356,7 @@
           <p:cNvPr id="17" name="Table 16">
             <a:extLst>
               <a:ext uri="{FF2B5EF4-FFF2-40B4-BE49-F238E27FC236}">
-                <a16:creationId xmlns:a16="http://schemas.microsoft.com/office/drawing/2014/main" xmlns="" id="{89064987-859E-D34C-A9F6-834407C918E7}"/>
+                <a16:creationId xmlns="" xmlns:a16="http://schemas.microsoft.com/office/drawing/2014/main" id="{89064987-859E-D34C-A9F6-834407C918E7}"/>
               </a:ext>
             </a:extLst>
           </p:cNvPr>
@@ -12385,21 +12385,21 @@
                 <a:gridCol w="2095685">
                   <a:extLst>
                     <a:ext uri="{9D8B030D-6E8A-4147-A177-3AD203B41FA5}">
-                      <a16:colId xmlns:a16="http://schemas.microsoft.com/office/drawing/2014/main" xmlns="" val="20000"/>
+                      <a16:colId xmlns="" xmlns:a16="http://schemas.microsoft.com/office/drawing/2014/main" val="20000"/>
                     </a:ext>
                   </a:extLst>
                 </a:gridCol>
                 <a:gridCol w="681713">
                   <a:extLst>
                     <a:ext uri="{9D8B030D-6E8A-4147-A177-3AD203B41FA5}">
-                      <a16:colId xmlns:a16="http://schemas.microsoft.com/office/drawing/2014/main" xmlns="" val="997673227"/>
+                      <a16:colId xmlns="" xmlns:a16="http://schemas.microsoft.com/office/drawing/2014/main" val="997673227"/>
                     </a:ext>
                   </a:extLst>
                 </a:gridCol>
                 <a:gridCol w="2844405">
                   <a:extLst>
                     <a:ext uri="{9D8B030D-6E8A-4147-A177-3AD203B41FA5}">
-                      <a16:colId xmlns:a16="http://schemas.microsoft.com/office/drawing/2014/main" xmlns="" val="3407509820"/>
+                      <a16:colId xmlns="" xmlns:a16="http://schemas.microsoft.com/office/drawing/2014/main" val="3407509820"/>
                     </a:ext>
                   </a:extLst>
                 </a:gridCol>
@@ -12515,7 +12515,7 @@
                 </a:tc>
                 <a:extLst>
                   <a:ext uri="{0D108BD9-81ED-4DB2-BD59-A6C34878D82A}">
-                    <a16:rowId xmlns:a16="http://schemas.microsoft.com/office/drawing/2014/main" xmlns="" val="10000"/>
+                    <a16:rowId xmlns="" xmlns:a16="http://schemas.microsoft.com/office/drawing/2014/main" val="10000"/>
                   </a:ext>
                 </a:extLst>
               </a:tr>
@@ -12557,7 +12557,7 @@
                           <a:hlinkClick r:id="rId7">
                             <a:extLst>
                               <a:ext uri="{A12FA001-AC4F-418D-AE19-62706E023703}">
-                                <ahyp:hlinkClr xmlns:ahyp="http://schemas.microsoft.com/office/drawing/2018/hyperlinkcolor" xmlns="" val="tx"/>
+                                <ahyp:hlinkClr xmlns="" xmlns:ahyp="http://schemas.microsoft.com/office/drawing/2018/hyperlinkcolor" val="tx"/>
                               </a:ext>
                             </a:extLst>
                           </a:hlinkClick>
@@ -12667,7 +12667,7 @@
                 </a:tc>
                 <a:extLst>
                   <a:ext uri="{0D108BD9-81ED-4DB2-BD59-A6C34878D82A}">
-                    <a16:rowId xmlns:a16="http://schemas.microsoft.com/office/drawing/2014/main" xmlns="" val="10001"/>
+                    <a16:rowId xmlns="" xmlns:a16="http://schemas.microsoft.com/office/drawing/2014/main" val="10001"/>
                   </a:ext>
                 </a:extLst>
               </a:tr>
@@ -12839,7 +12839,7 @@
                 </a:tc>
                 <a:extLst>
                   <a:ext uri="{0D108BD9-81ED-4DB2-BD59-A6C34878D82A}">
-                    <a16:rowId xmlns:a16="http://schemas.microsoft.com/office/drawing/2014/main" xmlns="" val="10004"/>
+                    <a16:rowId xmlns="" xmlns:a16="http://schemas.microsoft.com/office/drawing/2014/main" val="10004"/>
                   </a:ext>
                 </a:extLst>
               </a:tr>
@@ -13399,7 +13399,7 @@
                 </a:tc>
                 <a:extLst>
                   <a:ext uri="{0D108BD9-81ED-4DB2-BD59-A6C34878D82A}">
-                    <a16:rowId xmlns:a16="http://schemas.microsoft.com/office/drawing/2014/main" xmlns="" val="10005"/>
+                    <a16:rowId xmlns="" xmlns:a16="http://schemas.microsoft.com/office/drawing/2014/main" val="10005"/>
                   </a:ext>
                 </a:extLst>
               </a:tr>
@@ -13595,7 +13595,7 @@
                 </a:tc>
                 <a:extLst>
                   <a:ext uri="{0D108BD9-81ED-4DB2-BD59-A6C34878D82A}">
-                    <a16:rowId xmlns:a16="http://schemas.microsoft.com/office/drawing/2014/main" xmlns="" val="1766341567"/>
+                    <a16:rowId xmlns="" xmlns:a16="http://schemas.microsoft.com/office/drawing/2014/main" val="1766341567"/>
                   </a:ext>
                 </a:extLst>
               </a:tr>
@@ -13768,7 +13768,7 @@
                 </a:tc>
                 <a:extLst>
                   <a:ext uri="{0D108BD9-81ED-4DB2-BD59-A6C34878D82A}">
-                    <a16:rowId xmlns:a16="http://schemas.microsoft.com/office/drawing/2014/main" xmlns="" val="10006"/>
+                    <a16:rowId xmlns="" xmlns:a16="http://schemas.microsoft.com/office/drawing/2014/main" val="10006"/>
                   </a:ext>
                 </a:extLst>
               </a:tr>
@@ -13917,7 +13917,7 @@
                 </a:tc>
                 <a:extLst>
                   <a:ext uri="{0D108BD9-81ED-4DB2-BD59-A6C34878D82A}">
-                    <a16:rowId xmlns:a16="http://schemas.microsoft.com/office/drawing/2014/main" xmlns="" val="10007"/>
+                    <a16:rowId xmlns="" xmlns:a16="http://schemas.microsoft.com/office/drawing/2014/main" val="10007"/>
                   </a:ext>
                 </a:extLst>
               </a:tr>
@@ -14293,7 +14293,7 @@
                           <a:hlinkClick r:id="rId11">
                             <a:extLst>
                               <a:ext uri="{A12FA001-AC4F-418D-AE19-62706E023703}">
-                                <ahyp:hlinkClr xmlns:ahyp="http://schemas.microsoft.com/office/drawing/2018/hyperlinkcolor" xmlns="" val="tx"/>
+                                <ahyp:hlinkClr xmlns="" xmlns:ahyp="http://schemas.microsoft.com/office/drawing/2018/hyperlinkcolor" val="tx"/>
                               </a:ext>
                             </a:extLst>
                           </a:hlinkClick>
@@ -14310,7 +14310,7 @@
                           <a:hlinkClick r:id="rId11">
                             <a:extLst>
                               <a:ext uri="{A12FA001-AC4F-418D-AE19-62706E023703}">
-                                <ahyp:hlinkClr xmlns:ahyp="http://schemas.microsoft.com/office/drawing/2018/hyperlinkcolor" xmlns="" val="tx"/>
+                                <ahyp:hlinkClr xmlns="" xmlns:ahyp="http://schemas.microsoft.com/office/drawing/2018/hyperlinkcolor" val="tx"/>
                               </a:ext>
                             </a:extLst>
                           </a:hlinkClick>
@@ -14409,7 +14409,7 @@
                 </a:tc>
                 <a:extLst>
                   <a:ext uri="{0D108BD9-81ED-4DB2-BD59-A6C34878D82A}">
-                    <a16:rowId xmlns:a16="http://schemas.microsoft.com/office/drawing/2014/main" xmlns="" val="2448051497"/>
+                    <a16:rowId xmlns="" xmlns:a16="http://schemas.microsoft.com/office/drawing/2014/main" val="2448051497"/>
                   </a:ext>
                 </a:extLst>
               </a:tr>
@@ -14482,7 +14482,7 @@
                 </a:tc>
                 <a:extLst>
                   <a:ext uri="{0D108BD9-81ED-4DB2-BD59-A6C34878D82A}">
-                    <a16:rowId xmlns:a16="http://schemas.microsoft.com/office/drawing/2014/main" xmlns="" val="10008"/>
+                    <a16:rowId xmlns="" xmlns:a16="http://schemas.microsoft.com/office/drawing/2014/main" val="10008"/>
                   </a:ext>
                 </a:extLst>
               </a:tr>
@@ -14775,7 +14775,7 @@
                 </a:tc>
                 <a:extLst>
                   <a:ext uri="{0D108BD9-81ED-4DB2-BD59-A6C34878D82A}">
-                    <a16:rowId xmlns:a16="http://schemas.microsoft.com/office/drawing/2014/main" xmlns="" val="10009"/>
+                    <a16:rowId xmlns="" xmlns:a16="http://schemas.microsoft.com/office/drawing/2014/main" val="10009"/>
                   </a:ext>
                 </a:extLst>
               </a:tr>
@@ -15072,7 +15072,7 @@
           <p:cNvPr id="9" name="Group 8">
             <a:extLst>
               <a:ext uri="{FF2B5EF4-FFF2-40B4-BE49-F238E27FC236}">
-                <a16:creationId xmlns:a16="http://schemas.microsoft.com/office/drawing/2014/main" xmlns="" id="{C653DFC0-C8CC-4048-8C0E-EB7A9A197D43}"/>
+                <a16:creationId xmlns="" xmlns:a16="http://schemas.microsoft.com/office/drawing/2014/main" id="{C653DFC0-C8CC-4048-8C0E-EB7A9A197D43}"/>
               </a:ext>
             </a:extLst>
           </p:cNvPr>
@@ -15092,7 +15092,7 @@
             <p:cNvPr id="10" name="Text Box 14">
               <a:extLst>
                 <a:ext uri="{FF2B5EF4-FFF2-40B4-BE49-F238E27FC236}">
-                  <a16:creationId xmlns:a16="http://schemas.microsoft.com/office/drawing/2014/main" xmlns="" id="{F703386D-7CF5-C24D-BCA4-7EA8DDB033FA}"/>
+                  <a16:creationId xmlns="" xmlns:a16="http://schemas.microsoft.com/office/drawing/2014/main" id="{F703386D-7CF5-C24D-BCA4-7EA8DDB033FA}"/>
                 </a:ext>
               </a:extLst>
             </p:cNvPr>
@@ -15174,7 +15174,7 @@
             <p:cNvPr id="11" name="Freeform 10">
               <a:extLst>
                 <a:ext uri="{FF2B5EF4-FFF2-40B4-BE49-F238E27FC236}">
-                  <a16:creationId xmlns:a16="http://schemas.microsoft.com/office/drawing/2014/main" xmlns="" id="{8884A6D1-9E34-AB48-80E7-685F32A4596E}"/>
+                  <a16:creationId xmlns="" xmlns:a16="http://schemas.microsoft.com/office/drawing/2014/main" id="{8884A6D1-9E34-AB48-80E7-685F32A4596E}"/>
                 </a:ext>
               </a:extLst>
             </p:cNvPr>
@@ -15283,7 +15283,7 @@
             <p:cNvPr id="12" name="Freeform 11">
               <a:extLst>
                 <a:ext uri="{FF2B5EF4-FFF2-40B4-BE49-F238E27FC236}">
-                  <a16:creationId xmlns:a16="http://schemas.microsoft.com/office/drawing/2014/main" xmlns="" id="{B7DA1284-3D64-6543-AE5B-C9E97C9C40D1}"/>
+                  <a16:creationId xmlns="" xmlns:a16="http://schemas.microsoft.com/office/drawing/2014/main" id="{B7DA1284-3D64-6543-AE5B-C9E97C9C40D1}"/>
                 </a:ext>
               </a:extLst>
             </p:cNvPr>
@@ -15389,7 +15389,7 @@
             <p:cNvPr id="13" name="Freeform 12">
               <a:extLst>
                 <a:ext uri="{FF2B5EF4-FFF2-40B4-BE49-F238E27FC236}">
-                  <a16:creationId xmlns:a16="http://schemas.microsoft.com/office/drawing/2014/main" xmlns="" id="{C0740610-C765-4141-9A13-24069536161F}"/>
+                  <a16:creationId xmlns="" xmlns:a16="http://schemas.microsoft.com/office/drawing/2014/main" id="{C0740610-C765-4141-9A13-24069536161F}"/>
                 </a:ext>
               </a:extLst>
             </p:cNvPr>
@@ -15506,7 +15506,7 @@
             <p:cNvPr id="14" name="Text Box 14">
               <a:extLst>
                 <a:ext uri="{FF2B5EF4-FFF2-40B4-BE49-F238E27FC236}">
-                  <a16:creationId xmlns:a16="http://schemas.microsoft.com/office/drawing/2014/main" xmlns="" id="{05975483-D81A-564B-AFF2-97B19CA70837}"/>
+                  <a16:creationId xmlns="" xmlns:a16="http://schemas.microsoft.com/office/drawing/2014/main" id="{05975483-D81A-564B-AFF2-97B19CA70837}"/>
                 </a:ext>
               </a:extLst>
             </p:cNvPr>
@@ -15589,7 +15589,7 @@
           <p:cNvPr id="16" name="Table 15">
             <a:extLst>
               <a:ext uri="{FF2B5EF4-FFF2-40B4-BE49-F238E27FC236}">
-                <a16:creationId xmlns:a16="http://schemas.microsoft.com/office/drawing/2014/main" xmlns="" id="{B96F4CE7-2880-854F-B2DB-E5D982EFC9C3}"/>
+                <a16:creationId xmlns="" xmlns:a16="http://schemas.microsoft.com/office/drawing/2014/main" id="{B96F4CE7-2880-854F-B2DB-E5D982EFC9C3}"/>
               </a:ext>
             </a:extLst>
           </p:cNvPr>
@@ -15618,14 +15618,14 @@
                 <a:gridCol w="2410585">
                   <a:extLst>
                     <a:ext uri="{9D8B030D-6E8A-4147-A177-3AD203B41FA5}">
-                      <a16:colId xmlns:a16="http://schemas.microsoft.com/office/drawing/2014/main" xmlns="" val="20000"/>
+                      <a16:colId xmlns="" xmlns:a16="http://schemas.microsoft.com/office/drawing/2014/main" val="20000"/>
                     </a:ext>
                   </a:extLst>
                 </a:gridCol>
                 <a:gridCol w="3211218">
                   <a:extLst>
                     <a:ext uri="{9D8B030D-6E8A-4147-A177-3AD203B41FA5}">
-                      <a16:colId xmlns:a16="http://schemas.microsoft.com/office/drawing/2014/main" xmlns="" val="20001"/>
+                      <a16:colId xmlns="" xmlns:a16="http://schemas.microsoft.com/office/drawing/2014/main" val="20001"/>
                     </a:ext>
                   </a:extLst>
                 </a:gridCol>
@@ -15705,7 +15705,7 @@
                 </a:tc>
                 <a:extLst>
                   <a:ext uri="{0D108BD9-81ED-4DB2-BD59-A6C34878D82A}">
-                    <a16:rowId xmlns:a16="http://schemas.microsoft.com/office/drawing/2014/main" xmlns="" val="10000"/>
+                    <a16:rowId xmlns="" xmlns:a16="http://schemas.microsoft.com/office/drawing/2014/main" val="10000"/>
                   </a:ext>
                 </a:extLst>
               </a:tr>
@@ -15923,7 +15923,7 @@
                 </a:tc>
                 <a:extLst>
                   <a:ext uri="{0D108BD9-81ED-4DB2-BD59-A6C34878D82A}">
-                    <a16:rowId xmlns:a16="http://schemas.microsoft.com/office/drawing/2014/main" xmlns="" val="677555919"/>
+                    <a16:rowId xmlns="" xmlns:a16="http://schemas.microsoft.com/office/drawing/2014/main" val="677555919"/>
                   </a:ext>
                 </a:extLst>
               </a:tr>
@@ -16227,7 +16227,7 @@
                 </a:tc>
                 <a:extLst>
                   <a:ext uri="{0D108BD9-81ED-4DB2-BD59-A6C34878D82A}">
-                    <a16:rowId xmlns:a16="http://schemas.microsoft.com/office/drawing/2014/main" xmlns="" val="10008"/>
+                    <a16:rowId xmlns="" xmlns:a16="http://schemas.microsoft.com/office/drawing/2014/main" val="10008"/>
                   </a:ext>
                 </a:extLst>
               </a:tr>
@@ -16387,7 +16387,7 @@
                 </a:tc>
                 <a:extLst>
                   <a:ext uri="{0D108BD9-81ED-4DB2-BD59-A6C34878D82A}">
-                    <a16:rowId xmlns:a16="http://schemas.microsoft.com/office/drawing/2014/main" xmlns="" val="10001"/>
+                    <a16:rowId xmlns="" xmlns:a16="http://schemas.microsoft.com/office/drawing/2014/main" val="10001"/>
                   </a:ext>
                 </a:extLst>
               </a:tr>
@@ -16486,7 +16486,7 @@
                 </a:tc>
                 <a:extLst>
                   <a:ext uri="{0D108BD9-81ED-4DB2-BD59-A6C34878D82A}">
-                    <a16:rowId xmlns:a16="http://schemas.microsoft.com/office/drawing/2014/main" xmlns="" val="10002"/>
+                    <a16:rowId xmlns="" xmlns:a16="http://schemas.microsoft.com/office/drawing/2014/main" val="10002"/>
                   </a:ext>
                 </a:extLst>
               </a:tr>
@@ -16714,7 +16714,7 @@
                 </a:tc>
                 <a:extLst>
                   <a:ext uri="{0D108BD9-81ED-4DB2-BD59-A6C34878D82A}">
-                    <a16:rowId xmlns:a16="http://schemas.microsoft.com/office/drawing/2014/main" xmlns="" val="10003"/>
+                    <a16:rowId xmlns="" xmlns:a16="http://schemas.microsoft.com/office/drawing/2014/main" val="10003"/>
                   </a:ext>
                 </a:extLst>
               </a:tr>
@@ -16799,7 +16799,7 @@
                 </a:tc>
                 <a:extLst>
                   <a:ext uri="{0D108BD9-81ED-4DB2-BD59-A6C34878D82A}">
-                    <a16:rowId xmlns:a16="http://schemas.microsoft.com/office/drawing/2014/main" xmlns="" val="10004"/>
+                    <a16:rowId xmlns="" xmlns:a16="http://schemas.microsoft.com/office/drawing/2014/main" val="10004"/>
                   </a:ext>
                 </a:extLst>
               </a:tr>
@@ -16912,7 +16912,7 @@
                 </a:tc>
                 <a:extLst>
                   <a:ext uri="{0D108BD9-81ED-4DB2-BD59-A6C34878D82A}">
-                    <a16:rowId xmlns:a16="http://schemas.microsoft.com/office/drawing/2014/main" xmlns="" val="10005"/>
+                    <a16:rowId xmlns="" xmlns:a16="http://schemas.microsoft.com/office/drawing/2014/main" val="10005"/>
                   </a:ext>
                 </a:extLst>
               </a:tr>
@@ -16956,7 +16956,7 @@
                 </a:tc>
                 <a:extLst>
                   <a:ext uri="{0D108BD9-81ED-4DB2-BD59-A6C34878D82A}">
-                    <a16:rowId xmlns:a16="http://schemas.microsoft.com/office/drawing/2014/main" xmlns="" val="10006"/>
+                    <a16:rowId xmlns="" xmlns:a16="http://schemas.microsoft.com/office/drawing/2014/main" val="10006"/>
                   </a:ext>
                 </a:extLst>
               </a:tr>
@@ -17053,7 +17053,7 @@
                 </a:tc>
                 <a:extLst>
                   <a:ext uri="{0D108BD9-81ED-4DB2-BD59-A6C34878D82A}">
-                    <a16:rowId xmlns:a16="http://schemas.microsoft.com/office/drawing/2014/main" xmlns="" val="10007"/>
+                    <a16:rowId xmlns="" xmlns:a16="http://schemas.microsoft.com/office/drawing/2014/main" val="10007"/>
                   </a:ext>
                 </a:extLst>
               </a:tr>
@@ -17110,7 +17110,7 @@
                 </a:tc>
                 <a:extLst>
                   <a:ext uri="{0D108BD9-81ED-4DB2-BD59-A6C34878D82A}">
-                    <a16:rowId xmlns:a16="http://schemas.microsoft.com/office/drawing/2014/main" xmlns="" val="10010"/>
+                    <a16:rowId xmlns="" xmlns:a16="http://schemas.microsoft.com/office/drawing/2014/main" val="10010"/>
                   </a:ext>
                 </a:extLst>
               </a:tr>
@@ -17123,7 +17123,7 @@
           <p:cNvPr id="17" name="Table 16">
             <a:extLst>
               <a:ext uri="{FF2B5EF4-FFF2-40B4-BE49-F238E27FC236}">
-                <a16:creationId xmlns:a16="http://schemas.microsoft.com/office/drawing/2014/main" xmlns="" id="{BACDD0B0-017D-8142-9D2D-87EF3C641C70}"/>
+                <a16:creationId xmlns="" xmlns:a16="http://schemas.microsoft.com/office/drawing/2014/main" id="{BACDD0B0-017D-8142-9D2D-87EF3C641C70}"/>
               </a:ext>
             </a:extLst>
           </p:cNvPr>
@@ -17152,21 +17152,21 @@
                 <a:gridCol w="2095685">
                   <a:extLst>
                     <a:ext uri="{9D8B030D-6E8A-4147-A177-3AD203B41FA5}">
-                      <a16:colId xmlns:a16="http://schemas.microsoft.com/office/drawing/2014/main" xmlns="" val="20000"/>
+                      <a16:colId xmlns="" xmlns:a16="http://schemas.microsoft.com/office/drawing/2014/main" val="20000"/>
                     </a:ext>
                   </a:extLst>
                 </a:gridCol>
                 <a:gridCol w="681713">
                   <a:extLst>
                     <a:ext uri="{9D8B030D-6E8A-4147-A177-3AD203B41FA5}">
-                      <a16:colId xmlns:a16="http://schemas.microsoft.com/office/drawing/2014/main" xmlns="" val="997673227"/>
+                      <a16:colId xmlns="" xmlns:a16="http://schemas.microsoft.com/office/drawing/2014/main" val="997673227"/>
                     </a:ext>
                   </a:extLst>
                 </a:gridCol>
                 <a:gridCol w="2844405">
                   <a:extLst>
                     <a:ext uri="{9D8B030D-6E8A-4147-A177-3AD203B41FA5}">
-                      <a16:colId xmlns:a16="http://schemas.microsoft.com/office/drawing/2014/main" xmlns="" val="3407509820"/>
+                      <a16:colId xmlns="" xmlns:a16="http://schemas.microsoft.com/office/drawing/2014/main" val="3407509820"/>
                     </a:ext>
                   </a:extLst>
                 </a:gridCol>
@@ -17282,7 +17282,7 @@
                 </a:tc>
                 <a:extLst>
                   <a:ext uri="{0D108BD9-81ED-4DB2-BD59-A6C34878D82A}">
-                    <a16:rowId xmlns:a16="http://schemas.microsoft.com/office/drawing/2014/main" xmlns="" val="10000"/>
+                    <a16:rowId xmlns="" xmlns:a16="http://schemas.microsoft.com/office/drawing/2014/main" val="10000"/>
                   </a:ext>
                 </a:extLst>
               </a:tr>
@@ -17324,7 +17324,7 @@
                           <a:hlinkClick r:id="rId7">
                             <a:extLst>
                               <a:ext uri="{A12FA001-AC4F-418D-AE19-62706E023703}">
-                                <ahyp:hlinkClr xmlns:ahyp="http://schemas.microsoft.com/office/drawing/2018/hyperlinkcolor" xmlns="" val="tx"/>
+                                <ahyp:hlinkClr xmlns="" xmlns:ahyp="http://schemas.microsoft.com/office/drawing/2018/hyperlinkcolor" val="tx"/>
                               </a:ext>
                             </a:extLst>
                           </a:hlinkClick>
@@ -17434,7 +17434,7 @@
                 </a:tc>
                 <a:extLst>
                   <a:ext uri="{0D108BD9-81ED-4DB2-BD59-A6C34878D82A}">
-                    <a16:rowId xmlns:a16="http://schemas.microsoft.com/office/drawing/2014/main" xmlns="" val="10001"/>
+                    <a16:rowId xmlns="" xmlns:a16="http://schemas.microsoft.com/office/drawing/2014/main" val="10001"/>
                   </a:ext>
                 </a:extLst>
               </a:tr>
@@ -17606,7 +17606,7 @@
                 </a:tc>
                 <a:extLst>
                   <a:ext uri="{0D108BD9-81ED-4DB2-BD59-A6C34878D82A}">
-                    <a16:rowId xmlns:a16="http://schemas.microsoft.com/office/drawing/2014/main" xmlns="" val="10004"/>
+                    <a16:rowId xmlns="" xmlns:a16="http://schemas.microsoft.com/office/drawing/2014/main" val="10004"/>
                   </a:ext>
                 </a:extLst>
               </a:tr>
@@ -18166,7 +18166,7 @@
                 </a:tc>
                 <a:extLst>
                   <a:ext uri="{0D108BD9-81ED-4DB2-BD59-A6C34878D82A}">
-                    <a16:rowId xmlns:a16="http://schemas.microsoft.com/office/drawing/2014/main" xmlns="" val="10005"/>
+                    <a16:rowId xmlns="" xmlns:a16="http://schemas.microsoft.com/office/drawing/2014/main" val="10005"/>
                   </a:ext>
                 </a:extLst>
               </a:tr>
@@ -18362,7 +18362,7 @@
                 </a:tc>
                 <a:extLst>
                   <a:ext uri="{0D108BD9-81ED-4DB2-BD59-A6C34878D82A}">
-                    <a16:rowId xmlns:a16="http://schemas.microsoft.com/office/drawing/2014/main" xmlns="" val="1766341567"/>
+                    <a16:rowId xmlns="" xmlns:a16="http://schemas.microsoft.com/office/drawing/2014/main" val="1766341567"/>
                   </a:ext>
                 </a:extLst>
               </a:tr>
@@ -18535,7 +18535,7 @@
                 </a:tc>
                 <a:extLst>
                   <a:ext uri="{0D108BD9-81ED-4DB2-BD59-A6C34878D82A}">
-                    <a16:rowId xmlns:a16="http://schemas.microsoft.com/office/drawing/2014/main" xmlns="" val="10006"/>
+                    <a16:rowId xmlns="" xmlns:a16="http://schemas.microsoft.com/office/drawing/2014/main" val="10006"/>
                   </a:ext>
                 </a:extLst>
               </a:tr>
@@ -18684,7 +18684,7 @@
                 </a:tc>
                 <a:extLst>
                   <a:ext uri="{0D108BD9-81ED-4DB2-BD59-A6C34878D82A}">
-                    <a16:rowId xmlns:a16="http://schemas.microsoft.com/office/drawing/2014/main" xmlns="" val="10007"/>
+                    <a16:rowId xmlns="" xmlns:a16="http://schemas.microsoft.com/office/drawing/2014/main" val="10007"/>
                   </a:ext>
                 </a:extLst>
               </a:tr>
@@ -19060,7 +19060,7 @@
                           <a:hlinkClick r:id="rId11">
                             <a:extLst>
                               <a:ext uri="{A12FA001-AC4F-418D-AE19-62706E023703}">
-                                <ahyp:hlinkClr xmlns:ahyp="http://schemas.microsoft.com/office/drawing/2018/hyperlinkcolor" xmlns="" val="tx"/>
+                                <ahyp:hlinkClr xmlns="" xmlns:ahyp="http://schemas.microsoft.com/office/drawing/2018/hyperlinkcolor" val="tx"/>
                               </a:ext>
                             </a:extLst>
                           </a:hlinkClick>
@@ -19077,7 +19077,7 @@
                           <a:hlinkClick r:id="rId11">
                             <a:extLst>
                               <a:ext uri="{A12FA001-AC4F-418D-AE19-62706E023703}">
-                                <ahyp:hlinkClr xmlns:ahyp="http://schemas.microsoft.com/office/drawing/2018/hyperlinkcolor" xmlns="" val="tx"/>
+                                <ahyp:hlinkClr xmlns="" xmlns:ahyp="http://schemas.microsoft.com/office/drawing/2018/hyperlinkcolor" val="tx"/>
                               </a:ext>
                             </a:extLst>
                           </a:hlinkClick>
@@ -19176,7 +19176,7 @@
                 </a:tc>
                 <a:extLst>
                   <a:ext uri="{0D108BD9-81ED-4DB2-BD59-A6C34878D82A}">
-                    <a16:rowId xmlns:a16="http://schemas.microsoft.com/office/drawing/2014/main" xmlns="" val="2448051497"/>
+                    <a16:rowId xmlns="" xmlns:a16="http://schemas.microsoft.com/office/drawing/2014/main" val="2448051497"/>
                   </a:ext>
                 </a:extLst>
               </a:tr>
@@ -19249,7 +19249,7 @@
                 </a:tc>
                 <a:extLst>
                   <a:ext uri="{0D108BD9-81ED-4DB2-BD59-A6C34878D82A}">
-                    <a16:rowId xmlns:a16="http://schemas.microsoft.com/office/drawing/2014/main" xmlns="" val="10008"/>
+                    <a16:rowId xmlns="" xmlns:a16="http://schemas.microsoft.com/office/drawing/2014/main" val="10008"/>
                   </a:ext>
                 </a:extLst>
               </a:tr>
@@ -19542,7 +19542,7 @@
                 </a:tc>
                 <a:extLst>
                   <a:ext uri="{0D108BD9-81ED-4DB2-BD59-A6C34878D82A}">
-                    <a16:rowId xmlns:a16="http://schemas.microsoft.com/office/drawing/2014/main" xmlns="" val="10009"/>
+                    <a16:rowId xmlns="" xmlns:a16="http://schemas.microsoft.com/office/drawing/2014/main" val="10009"/>
                   </a:ext>
                 </a:extLst>
               </a:tr>
@@ -19905,11 +19905,7 @@
             </a:r>
             <a:r>
               <a:rPr lang="sr-Latn-RS" sz="2800" dirty="0" smtClean="0"/>
-              <a:t> - </a:t>
-            </a:r>
-            <a:r>
-              <a:rPr lang="sr-Latn-RS" sz="2800" dirty="0" smtClean="0"/>
-              <a:t>Pronalaze se regioni</a:t>
+              <a:t> - Pronalaze se regioni</a:t>
             </a:r>
           </a:p>
           <a:p>
@@ -19970,8 +19966,8 @@
         </p:nvSpPr>
         <p:spPr>
           <a:xfrm>
-            <a:off x="8610600" y="3474956"/>
-            <a:ext cx="12439650" cy="8967716"/>
+            <a:off x="8669657" y="2915509"/>
+            <a:ext cx="12439650" cy="11626906"/>
           </a:xfrm>
         </p:spPr>
         <p:txBody>
@@ -19979,79 +19975,90 @@
           <a:lstStyle/>
           <a:p>
             <a:r>
-              <a:rPr lang="sr-Latn-RS" sz="2800" dirty="0" smtClean="0"/>
+              <a:rPr lang="sr-Latn-RS" sz="2600" dirty="0" smtClean="0"/>
               <a:t>Možemo reći da sistem prolazi kroz 3 faze:</a:t>
             </a:r>
           </a:p>
           <a:p>
             <a:r>
-              <a:rPr lang="sr-Latn-RS" sz="2800" dirty="0"/>
+              <a:rPr lang="sr-Latn-RS" sz="2600" dirty="0"/>
               <a:t> </a:t>
             </a:r>
             <a:r>
-              <a:rPr lang="sr-Latn-RS" sz="2800" dirty="0" smtClean="0"/>
+              <a:rPr lang="sr-Latn-RS" sz="2600" dirty="0" smtClean="0"/>
               <a:t> - Pretprocesiranje slika</a:t>
             </a:r>
           </a:p>
           <a:p>
             <a:r>
-              <a:rPr lang="sr-Latn-RS" sz="2800" dirty="0"/>
+              <a:rPr lang="sr-Latn-RS" sz="2600" dirty="0"/>
               <a:t> </a:t>
             </a:r>
             <a:r>
-              <a:rPr lang="sr-Latn-RS" sz="2800" dirty="0" smtClean="0"/>
+              <a:rPr lang="sr-Latn-RS" sz="2600" dirty="0" smtClean="0"/>
               <a:t> - Treniranje neuronske mreže</a:t>
             </a:r>
           </a:p>
           <a:p>
             <a:r>
-              <a:rPr lang="sr-Latn-RS" sz="2800" dirty="0"/>
+              <a:rPr lang="sr-Latn-RS" sz="2600" dirty="0"/>
               <a:t> </a:t>
             </a:r>
             <a:r>
-              <a:rPr lang="sr-Latn-RS" sz="2800" dirty="0" smtClean="0"/>
+              <a:rPr lang="sr-Latn-RS" sz="2600" dirty="0" smtClean="0"/>
               <a:t> - Pretraga reči</a:t>
             </a:r>
           </a:p>
           <a:p>
-            <a:endParaRPr lang="sr-Latn-RS" sz="2800" dirty="0"/>
+            <a:endParaRPr lang="sr-Latn-RS" sz="2600" dirty="0"/>
           </a:p>
           <a:p>
             <a:r>
-              <a:rPr lang="sr-Latn-RS" sz="2800" dirty="0" smtClean="0"/>
-              <a:t>Pretprocesiranje slika:</a:t>
+              <a:rPr lang="sr-Latn-RS" sz="2600" dirty="0" smtClean="0"/>
+              <a:t>Pretprocesiranje slika</a:t>
+            </a:r>
+            <a:r>
+              <a:rPr lang="sr-Latn-RS" sz="2600" dirty="0" smtClean="0"/>
+              <a:t>:</a:t>
             </a:r>
           </a:p>
           <a:p>
-            <a:endParaRPr lang="sr-Latn-RS" sz="2800" dirty="0"/>
+            <a:r>
+              <a:rPr lang="sr-Latn-RS" sz="2600" dirty="0" smtClean="0"/>
+              <a:t>Ulazna slika je u RGBA boji i PNG formatu. Prvo se uradi resize nad slikama tako da budu u opsegu dimenzija 900X400 zatim se nad njima uradi grayscale. Nad tako dobijenim slikama se radi probabilistic HOG transformacija preko koje dobijemo najduzu liniju na slici koju koristim kako bismo nad slikama uradili shear preko 2D matrice koja za vrednosti uzima tacke iz dobijene linije, zatim pretvaramo sliku u binary preko obicne threshhold metode i trazimo konture, u slucaju da ne uspe da nadje sva slova ponavljamo postupak pretvaranja slike u binary, ali ovaj put preko adaptive thresh mean metode i onda ponovo trazimo konture.</a:t>
+            </a:r>
+            <a:endParaRPr lang="sr-Latn-RS" sz="2600" dirty="0" smtClean="0"/>
+          </a:p>
+          <a:p>
+            <a:endParaRPr lang="sr-Latn-RS" sz="2600" dirty="0"/>
           </a:p>
           <a:p>
             <a:r>
-              <a:rPr lang="sr-Latn-RS" sz="2800" dirty="0" smtClean="0"/>
+              <a:rPr lang="sr-Latn-RS" sz="2600" dirty="0" smtClean="0"/>
               <a:t>Treniranje neuronske mreže:</a:t>
             </a:r>
           </a:p>
           <a:p>
             <a:r>
-              <a:rPr lang="sr-Latn-RS" sz="2800" dirty="0" smtClean="0"/>
+              <a:rPr lang="sr-Latn-RS" sz="2600" dirty="0" smtClean="0"/>
               <a:t>Kada se sve slike učitaju (preuzmu konture) kreira se input za nn. Postupak kreiranja je sledeći, svaka kontura je dimenzija 28x28 te se posmatra vrednost svakog piksela (0 ili 255) u konturi, potom se pamti broj ponavljanja svake vrednosti  i kao finalna se ostavlja ona koja je najčešća. Output za nn se kreira na osnovu slova koja su se pojavila tokom pretprocesiranja slika.</a:t>
             </a:r>
           </a:p>
           <a:p>
-            <a:endParaRPr lang="sr-Latn-RS" sz="2800" dirty="0"/>
+            <a:endParaRPr lang="sr-Latn-RS" sz="2600" dirty="0"/>
           </a:p>
           <a:p>
             <a:r>
-              <a:rPr lang="sr-Latn-RS" sz="2800" dirty="0" smtClean="0"/>
+              <a:rPr lang="sr-Latn-RS" sz="2600" dirty="0" smtClean="0"/>
               <a:t>Pratraga reči:</a:t>
             </a:r>
           </a:p>
           <a:p>
             <a:r>
-              <a:rPr lang="sr-Latn-RS" sz="2800" dirty="0" smtClean="0"/>
+              <a:rPr lang="sr-Latn-RS" sz="2600" dirty="0" smtClean="0"/>
               <a:t>Kreira se dictionary na osnovu baze (spiska) reči, gde je key sortirana slova reči, a value sama reč. Pretraga se vrši tako što se preuzmu slova, potom se sortiraju i proveri se postojanje ključa (sortirane reči) u rečniku.</a:t>
             </a:r>
-            <a:endParaRPr lang="en-US" sz="2800" dirty="0"/>
+            <a:endParaRPr lang="en-US" sz="2600" dirty="0"/>
           </a:p>
         </p:txBody>
       </p:sp>
@@ -20067,7 +20074,7 @@
         </p:nvSpPr>
         <p:spPr>
           <a:xfrm>
-            <a:off x="10955020" y="2981639"/>
+            <a:off x="10955020" y="2428320"/>
             <a:ext cx="6700308" cy="536406"/>
           </a:xfrm>
         </p:spPr>
@@ -20143,7 +20150,7 @@
         </p:nvSpPr>
         <p:spPr>
           <a:xfrm>
-            <a:off x="3076576" y="13329078"/>
+            <a:off x="1017059" y="16066810"/>
             <a:ext cx="13813366" cy="493538"/>
           </a:xfrm>
         </p:spPr>
@@ -20167,7 +20174,7 @@
         </p:nvSpPr>
         <p:spPr>
           <a:xfrm>
-            <a:off x="608842" y="13554413"/>
+            <a:off x="606195" y="13822616"/>
             <a:ext cx="13813366" cy="536406"/>
           </a:xfrm>
         </p:spPr>
@@ -20234,8 +20241,17 @@
           <a:p>
             <a:r>
               <a:rPr lang="sr-Latn-RS" sz="2800" dirty="0" smtClean="0"/>
-              <a:t>Podatke su ručno pravljeni. Većinski se sastoje od screenshotova igre, nad kojima su se vršile transformacije (rotacija, promena boja i dodavanje šuma).</a:t>
+              <a:t>Podaci </a:t>
             </a:r>
+            <a:r>
+              <a:rPr lang="sr-Latn-RS" sz="2800" dirty="0" smtClean="0"/>
+              <a:t>su ručno pravljeni. Većinski se sastoje od screenshotova igre, nad kojima su se vršile transformacije (rotacija, promena </a:t>
+            </a:r>
+            <a:r>
+              <a:rPr lang="sr-Latn-RS" sz="2800" dirty="0" smtClean="0"/>
+              <a:t>boja).</a:t>
+            </a:r>
+            <a:endParaRPr lang="sr-Latn-RS" sz="2800" dirty="0" smtClean="0"/>
           </a:p>
           <a:p>
             <a:r>
@@ -20342,7 +20358,11 @@
             </a:r>
             <a:r>
               <a:rPr lang="sr-Latn-RS" sz="2800" dirty="0" smtClean="0"/>
-              <a:t> 63</a:t>
+              <a:t> </a:t>
+            </a:r>
+            <a:r>
+              <a:rPr lang="sr-Latn-RS" sz="2800" dirty="0" smtClean="0"/>
+              <a:t>69</a:t>
             </a:r>
             <a:r>
               <a:rPr lang="en-US" sz="2800" dirty="0" smtClean="0"/>
@@ -20390,7 +20410,7 @@
             </a:r>
             <a:r>
               <a:rPr lang="sr-Latn-RS" sz="2800" dirty="0" smtClean="0"/>
-              <a:t> </a:t>
+              <a:t>00 </a:t>
             </a:r>
             <a:r>
               <a:rPr lang="en-US" sz="2800" dirty="0" err="1" smtClean="0"/>
@@ -20432,7 +20452,6 @@
               <a:rPr lang="en-US" sz="2800" dirty="0"/>
               <a:t>.</a:t>
             </a:r>
-            <a:endParaRPr lang="en-US" sz="2800" dirty="0"/>
           </a:p>
         </p:txBody>
       </p:sp>
@@ -20498,7 +20517,15 @@
           <a:p>
             <a:r>
               <a:rPr lang="sr-Latn-RS" sz="2800" dirty="0" smtClean="0"/>
-              <a:t>  - Orijentacija na isravljanje performansi na slikama koje sadrže slova po relativno velikim uglom</a:t>
+              <a:t>  - Orijentacija na isravljanje performansi na slikama koje sadrže slova </a:t>
+            </a:r>
+            <a:r>
+              <a:rPr lang="sr-Latn-RS" sz="2800" dirty="0" smtClean="0"/>
+              <a:t>pod </a:t>
+            </a:r>
+            <a:r>
+              <a:rPr lang="sr-Latn-RS" sz="2800" dirty="0" smtClean="0"/>
+              <a:t>relativno velikim uglom</a:t>
             </a:r>
             <a:endParaRPr lang="en-US" sz="2800" dirty="0"/>
           </a:p>
@@ -20632,7 +20659,7 @@
         </p:blipFill>
         <p:spPr bwMode="auto">
           <a:xfrm>
-            <a:off x="606195" y="14262528"/>
+            <a:off x="399717" y="14478887"/>
             <a:ext cx="18168285" cy="1255459"/>
           </a:xfrm>
           <a:prstGeom prst="rect">
@@ -22431,7 +22458,7 @@
   <a:extraClrSchemeLst/>
   <a:extLst>
     <a:ext uri="{05A4C25C-085E-4340-85A3-A5531E510DB2}">
-      <thm15:themeFamily xmlns:thm15="http://schemas.microsoft.com/office/thememl/2012/main" xmlns="" name="Office Theme" id="{62F939B6-93AF-4DB8-9C6B-D6C7DFDC589F}" vid="{4A3C46E8-61CC-4603-A589-7422A47A8E4A}"/>
+      <thm15:themeFamily xmlns:thm15="http://schemas.microsoft.com/office/thememl/2012/main" name="Office Theme" id="{62F939B6-93AF-4DB8-9C6B-D6C7DFDC589F}" vid="{4A3C46E8-61CC-4603-A589-7422A47A8E4A}"/>
     </a:ext>
   </a:extLst>
 </a:theme>
